--- a/24-27-aug2021/24-08-2021.pptx
+++ b/24-27-aug2021/24-08-2021.pptx
@@ -7,11 +7,18 @@
   <p:sldIdLst>
     <p:sldId id="260" r:id="rId5"/>
     <p:sldId id="262" r:id="rId6"/>
-    <p:sldId id="261" r:id="rId7"/>
-    <p:sldId id="263" r:id="rId8"/>
-    <p:sldId id="264" r:id="rId9"/>
-    <p:sldId id="265" r:id="rId10"/>
-    <p:sldId id="266" r:id="rId11"/>
+    <p:sldId id="267" r:id="rId7"/>
+    <p:sldId id="268" r:id="rId8"/>
+    <p:sldId id="261" r:id="rId9"/>
+    <p:sldId id="264" r:id="rId10"/>
+    <p:sldId id="265" r:id="rId11"/>
+    <p:sldId id="266" r:id="rId12"/>
+    <p:sldId id="269" r:id="rId13"/>
+    <p:sldId id="270" r:id="rId14"/>
+    <p:sldId id="272" r:id="rId15"/>
+    <p:sldId id="273" r:id="rId16"/>
+    <p:sldId id="271" r:id="rId17"/>
+    <p:sldId id="274" r:id="rId18"/>
   </p:sldIdLst>
   <p:sldSz cx="12192000" cy="6858000"/>
   <p:notesSz cx="6858000" cy="9144000"/>
@@ -267,7 +274,7 @@
           <a:p>
             <a:fld id="{35139A90-B3EA-4B56-9671-FA10B656C843}" type="datetimeFigureOut">
               <a:rPr lang="en-IN" smtClean="0"/>
-              <a:t>24-08-2021</a:t>
+              <a:t>08-02-2022</a:t>
             </a:fld>
             <a:endParaRPr lang="en-IN"/>
           </a:p>
@@ -467,7 +474,7 @@
           <a:p>
             <a:fld id="{35139A90-B3EA-4B56-9671-FA10B656C843}" type="datetimeFigureOut">
               <a:rPr lang="en-IN" smtClean="0"/>
-              <a:t>24-08-2021</a:t>
+              <a:t>08-02-2022</a:t>
             </a:fld>
             <a:endParaRPr lang="en-IN"/>
           </a:p>
@@ -677,7 +684,7 @@
           <a:p>
             <a:fld id="{35139A90-B3EA-4B56-9671-FA10B656C843}" type="datetimeFigureOut">
               <a:rPr lang="en-IN" smtClean="0"/>
-              <a:t>24-08-2021</a:t>
+              <a:t>08-02-2022</a:t>
             </a:fld>
             <a:endParaRPr lang="en-IN"/>
           </a:p>
@@ -877,7 +884,7 @@
           <a:p>
             <a:fld id="{35139A90-B3EA-4B56-9671-FA10B656C843}" type="datetimeFigureOut">
               <a:rPr lang="en-IN" smtClean="0"/>
-              <a:t>24-08-2021</a:t>
+              <a:t>08-02-2022</a:t>
             </a:fld>
             <a:endParaRPr lang="en-IN"/>
           </a:p>
@@ -1153,7 +1160,7 @@
           <a:p>
             <a:fld id="{35139A90-B3EA-4B56-9671-FA10B656C843}" type="datetimeFigureOut">
               <a:rPr lang="en-IN" smtClean="0"/>
-              <a:t>24-08-2021</a:t>
+              <a:t>08-02-2022</a:t>
             </a:fld>
             <a:endParaRPr lang="en-IN"/>
           </a:p>
@@ -1421,7 +1428,7 @@
           <a:p>
             <a:fld id="{35139A90-B3EA-4B56-9671-FA10B656C843}" type="datetimeFigureOut">
               <a:rPr lang="en-IN" smtClean="0"/>
-              <a:t>24-08-2021</a:t>
+              <a:t>08-02-2022</a:t>
             </a:fld>
             <a:endParaRPr lang="en-IN"/>
           </a:p>
@@ -1836,7 +1843,7 @@
           <a:p>
             <a:fld id="{35139A90-B3EA-4B56-9671-FA10B656C843}" type="datetimeFigureOut">
               <a:rPr lang="en-IN" smtClean="0"/>
-              <a:t>24-08-2021</a:t>
+              <a:t>08-02-2022</a:t>
             </a:fld>
             <a:endParaRPr lang="en-IN"/>
           </a:p>
@@ -1978,7 +1985,7 @@
           <a:p>
             <a:fld id="{35139A90-B3EA-4B56-9671-FA10B656C843}" type="datetimeFigureOut">
               <a:rPr lang="en-IN" smtClean="0"/>
-              <a:t>24-08-2021</a:t>
+              <a:t>08-02-2022</a:t>
             </a:fld>
             <a:endParaRPr lang="en-IN"/>
           </a:p>
@@ -2091,7 +2098,7 @@
           <a:p>
             <a:fld id="{35139A90-B3EA-4B56-9671-FA10B656C843}" type="datetimeFigureOut">
               <a:rPr lang="en-IN" smtClean="0"/>
-              <a:t>24-08-2021</a:t>
+              <a:t>08-02-2022</a:t>
             </a:fld>
             <a:endParaRPr lang="en-IN"/>
           </a:p>
@@ -2404,7 +2411,7 @@
           <a:p>
             <a:fld id="{35139A90-B3EA-4B56-9671-FA10B656C843}" type="datetimeFigureOut">
               <a:rPr lang="en-IN" smtClean="0"/>
-              <a:t>24-08-2021</a:t>
+              <a:t>08-02-2022</a:t>
             </a:fld>
             <a:endParaRPr lang="en-IN"/>
           </a:p>
@@ -2693,7 +2700,7 @@
           <a:p>
             <a:fld id="{35139A90-B3EA-4B56-9671-FA10B656C843}" type="datetimeFigureOut">
               <a:rPr lang="en-IN" smtClean="0"/>
-              <a:t>24-08-2021</a:t>
+              <a:t>08-02-2022</a:t>
             </a:fld>
             <a:endParaRPr lang="en-IN"/>
           </a:p>
@@ -2936,7 +2943,7 @@
           <a:p>
             <a:fld id="{35139A90-B3EA-4B56-9671-FA10B656C843}" type="datetimeFigureOut">
               <a:rPr lang="en-IN" smtClean="0"/>
-              <a:t>24-08-2021</a:t>
+              <a:t>08-02-2022</a:t>
             </a:fld>
             <a:endParaRPr lang="en-IN"/>
           </a:p>
@@ -4702,6 +4709,420 @@
 </p:sld>
 </file>
 
+<file path=ppt/slides/slide10.xml><?xml version="1.0" encoding="utf-8"?>
+<p:sld xmlns:a="http://schemas.openxmlformats.org/drawingml/2006/main" xmlns:r="http://schemas.openxmlformats.org/officeDocument/2006/relationships" xmlns:p="http://schemas.openxmlformats.org/presentationml/2006/main">
+  <p:cSld>
+    <p:spTree>
+      <p:nvGrpSpPr>
+        <p:cNvPr id="1" name=""/>
+        <p:cNvGrpSpPr/>
+        <p:nvPr/>
+      </p:nvGrpSpPr>
+      <p:grpSpPr>
+        <a:xfrm>
+          <a:off x="0" y="0"/>
+          <a:ext cx="0" cy="0"/>
+          <a:chOff x="0" y="0"/>
+          <a:chExt cx="0" cy="0"/>
+        </a:xfrm>
+      </p:grpSpPr>
+      <p:pic>
+        <p:nvPicPr>
+          <p:cNvPr id="8" name="Picture 7">
+            <a:extLst>
+              <a:ext uri="{FF2B5EF4-FFF2-40B4-BE49-F238E27FC236}">
+                <a16:creationId xmlns:a16="http://schemas.microsoft.com/office/drawing/2014/main" id="{4261D17D-D3E8-435F-BFFC-612140F9AB63}"/>
+              </a:ext>
+            </a:extLst>
+          </p:cNvPr>
+          <p:cNvPicPr>
+            <a:picLocks noChangeAspect="1"/>
+          </p:cNvPicPr>
+          <p:nvPr/>
+        </p:nvPicPr>
+        <p:blipFill>
+          <a:blip r:embed="rId2"/>
+          <a:stretch>
+            <a:fillRect/>
+          </a:stretch>
+        </p:blipFill>
+        <p:spPr>
+          <a:xfrm>
+            <a:off x="2027582" y="1285461"/>
+            <a:ext cx="8653669" cy="4837043"/>
+          </a:xfrm>
+          <a:prstGeom prst="rect">
+            <a:avLst/>
+          </a:prstGeom>
+        </p:spPr>
+      </p:pic>
+    </p:spTree>
+    <p:extLst>
+      <p:ext uri="{BB962C8B-B14F-4D97-AF65-F5344CB8AC3E}">
+        <p14:creationId xmlns:p14="http://schemas.microsoft.com/office/powerpoint/2010/main" val="2738870578"/>
+      </p:ext>
+    </p:extLst>
+  </p:cSld>
+  <p:clrMapOvr>
+    <a:masterClrMapping/>
+  </p:clrMapOvr>
+</p:sld>
+</file>
+
+<file path=ppt/slides/slide11.xml><?xml version="1.0" encoding="utf-8"?>
+<p:sld xmlns:a="http://schemas.openxmlformats.org/drawingml/2006/main" xmlns:r="http://schemas.openxmlformats.org/officeDocument/2006/relationships" xmlns:p="http://schemas.openxmlformats.org/presentationml/2006/main">
+  <p:cSld>
+    <p:spTree>
+      <p:nvGrpSpPr>
+        <p:cNvPr id="1" name=""/>
+        <p:cNvGrpSpPr/>
+        <p:nvPr/>
+      </p:nvGrpSpPr>
+      <p:grpSpPr>
+        <a:xfrm>
+          <a:off x="0" y="0"/>
+          <a:ext cx="0" cy="0"/>
+          <a:chOff x="0" y="0"/>
+          <a:chExt cx="0" cy="0"/>
+        </a:xfrm>
+      </p:grpSpPr>
+      <p:pic>
+        <p:nvPicPr>
+          <p:cNvPr id="4" name="Picture 3">
+            <a:extLst>
+              <a:ext uri="{FF2B5EF4-FFF2-40B4-BE49-F238E27FC236}">
+                <a16:creationId xmlns:a16="http://schemas.microsoft.com/office/drawing/2014/main" id="{2F893BB9-EF4E-4E79-BCE5-2AD82130F104}"/>
+              </a:ext>
+            </a:extLst>
+          </p:cNvPr>
+          <p:cNvPicPr>
+            <a:picLocks noChangeAspect="1"/>
+          </p:cNvPicPr>
+          <p:nvPr/>
+        </p:nvPicPr>
+        <p:blipFill>
+          <a:blip r:embed="rId2"/>
+          <a:stretch>
+            <a:fillRect/>
+          </a:stretch>
+        </p:blipFill>
+        <p:spPr>
+          <a:xfrm>
+            <a:off x="1957387" y="1066800"/>
+            <a:ext cx="8277225" cy="4724400"/>
+          </a:xfrm>
+          <a:prstGeom prst="rect">
+            <a:avLst/>
+          </a:prstGeom>
+        </p:spPr>
+      </p:pic>
+      <p:pic>
+        <p:nvPicPr>
+          <p:cNvPr id="6" name="Picture 5">
+            <a:extLst>
+              <a:ext uri="{FF2B5EF4-FFF2-40B4-BE49-F238E27FC236}">
+                <a16:creationId xmlns:a16="http://schemas.microsoft.com/office/drawing/2014/main" id="{8C6F7BBC-8F15-4D05-A8DF-351E31208D14}"/>
+              </a:ext>
+            </a:extLst>
+          </p:cNvPr>
+          <p:cNvPicPr>
+            <a:picLocks noChangeAspect="1"/>
+          </p:cNvPicPr>
+          <p:nvPr/>
+        </p:nvPicPr>
+        <p:blipFill>
+          <a:blip r:embed="rId3"/>
+          <a:stretch>
+            <a:fillRect/>
+          </a:stretch>
+        </p:blipFill>
+        <p:spPr>
+          <a:xfrm>
+            <a:off x="800100" y="595312"/>
+            <a:ext cx="10591800" cy="5667375"/>
+          </a:xfrm>
+          <a:prstGeom prst="rect">
+            <a:avLst/>
+          </a:prstGeom>
+        </p:spPr>
+      </p:pic>
+    </p:spTree>
+    <p:extLst>
+      <p:ext uri="{BB962C8B-B14F-4D97-AF65-F5344CB8AC3E}">
+        <p14:creationId xmlns:p14="http://schemas.microsoft.com/office/powerpoint/2010/main" val="1330938002"/>
+      </p:ext>
+    </p:extLst>
+  </p:cSld>
+  <p:clrMapOvr>
+    <a:masterClrMapping/>
+  </p:clrMapOvr>
+</p:sld>
+</file>
+
+<file path=ppt/slides/slide12.xml><?xml version="1.0" encoding="utf-8"?>
+<p:sld xmlns:a="http://schemas.openxmlformats.org/drawingml/2006/main" xmlns:r="http://schemas.openxmlformats.org/officeDocument/2006/relationships" xmlns:p="http://schemas.openxmlformats.org/presentationml/2006/main">
+  <p:cSld>
+    <p:spTree>
+      <p:nvGrpSpPr>
+        <p:cNvPr id="1" name=""/>
+        <p:cNvGrpSpPr/>
+        <p:nvPr/>
+      </p:nvGrpSpPr>
+      <p:grpSpPr>
+        <a:xfrm>
+          <a:off x="0" y="0"/>
+          <a:ext cx="0" cy="0"/>
+          <a:chOff x="0" y="0"/>
+          <a:chExt cx="0" cy="0"/>
+        </a:xfrm>
+      </p:grpSpPr>
+      <p:pic>
+        <p:nvPicPr>
+          <p:cNvPr id="3" name="Picture 2">
+            <a:extLst>
+              <a:ext uri="{FF2B5EF4-FFF2-40B4-BE49-F238E27FC236}">
+                <a16:creationId xmlns:a16="http://schemas.microsoft.com/office/drawing/2014/main" id="{F4D476D2-46FE-4637-AEAD-7A222A3876DC}"/>
+              </a:ext>
+            </a:extLst>
+          </p:cNvPr>
+          <p:cNvPicPr>
+            <a:picLocks noChangeAspect="1"/>
+          </p:cNvPicPr>
+          <p:nvPr/>
+        </p:nvPicPr>
+        <p:blipFill>
+          <a:blip r:embed="rId2"/>
+          <a:stretch>
+            <a:fillRect/>
+          </a:stretch>
+        </p:blipFill>
+        <p:spPr>
+          <a:xfrm>
+            <a:off x="1390650" y="685800"/>
+            <a:ext cx="9410700" cy="5486400"/>
+          </a:xfrm>
+          <a:prstGeom prst="rect">
+            <a:avLst/>
+          </a:prstGeom>
+        </p:spPr>
+      </p:pic>
+    </p:spTree>
+    <p:extLst>
+      <p:ext uri="{BB962C8B-B14F-4D97-AF65-F5344CB8AC3E}">
+        <p14:creationId xmlns:p14="http://schemas.microsoft.com/office/powerpoint/2010/main" val="1884817420"/>
+      </p:ext>
+    </p:extLst>
+  </p:cSld>
+  <p:clrMapOvr>
+    <a:masterClrMapping/>
+  </p:clrMapOvr>
+</p:sld>
+</file>
+
+<file path=ppt/slides/slide13.xml><?xml version="1.0" encoding="utf-8"?>
+<p:sld xmlns:a="http://schemas.openxmlformats.org/drawingml/2006/main" xmlns:r="http://schemas.openxmlformats.org/officeDocument/2006/relationships" xmlns:p="http://schemas.openxmlformats.org/presentationml/2006/main">
+  <p:cSld>
+    <p:spTree>
+      <p:nvGrpSpPr>
+        <p:cNvPr id="1" name=""/>
+        <p:cNvGrpSpPr/>
+        <p:nvPr/>
+      </p:nvGrpSpPr>
+      <p:grpSpPr>
+        <a:xfrm>
+          <a:off x="0" y="0"/>
+          <a:ext cx="0" cy="0"/>
+          <a:chOff x="0" y="0"/>
+          <a:chExt cx="0" cy="0"/>
+        </a:xfrm>
+      </p:grpSpPr>
+      <p:sp>
+        <p:nvSpPr>
+          <p:cNvPr id="5" name="TextBox 4">
+            <a:extLst>
+              <a:ext uri="{FF2B5EF4-FFF2-40B4-BE49-F238E27FC236}">
+                <a16:creationId xmlns:a16="http://schemas.microsoft.com/office/drawing/2014/main" id="{7A6AC78D-8937-4F5B-AE05-6BA5BF5BD4E5}"/>
+              </a:ext>
+            </a:extLst>
+          </p:cNvPr>
+          <p:cNvSpPr txBox="1"/>
+          <p:nvPr/>
+        </p:nvSpPr>
+        <p:spPr>
+          <a:xfrm>
+            <a:off x="3048000" y="3115774"/>
+            <a:ext cx="6096000" cy="369332"/>
+          </a:xfrm>
+          <a:prstGeom prst="rect">
+            <a:avLst/>
+          </a:prstGeom>
+          <a:noFill/>
+        </p:spPr>
+        <p:txBody>
+          <a:bodyPr wrap="square">
+            <a:spAutoFit/>
+          </a:bodyPr>
+          <a:lstStyle/>
+          <a:p>
+            <a:pPr algn="l"/>
+            <a:r>
+              <a:rPr lang="en-US" b="1" i="0" dirty="0">
+                <a:solidFill>
+                  <a:srgbClr val="FFFFFF"/>
+                </a:solidFill>
+                <a:effectLst/>
+                <a:latin typeface="sf pro display"/>
+              </a:rPr>
+              <a:t>Chaos Engineering with Chaos Toolkit</a:t>
+            </a:r>
+          </a:p>
+        </p:txBody>
+      </p:sp>
+      <p:pic>
+        <p:nvPicPr>
+          <p:cNvPr id="6" name="Picture 5">
+            <a:extLst>
+              <a:ext uri="{FF2B5EF4-FFF2-40B4-BE49-F238E27FC236}">
+                <a16:creationId xmlns:a16="http://schemas.microsoft.com/office/drawing/2014/main" id="{3889A4CB-C03A-402B-8BF7-7A542BD0548C}"/>
+              </a:ext>
+            </a:extLst>
+          </p:cNvPr>
+          <p:cNvPicPr>
+            <a:picLocks noChangeAspect="1"/>
+          </p:cNvPicPr>
+          <p:nvPr/>
+        </p:nvPicPr>
+        <p:blipFill>
+          <a:blip r:embed="rId2"/>
+          <a:stretch>
+            <a:fillRect/>
+          </a:stretch>
+        </p:blipFill>
+        <p:spPr>
+          <a:xfrm>
+            <a:off x="966638" y="1643067"/>
+            <a:ext cx="10509743" cy="3684078"/>
+          </a:xfrm>
+          <a:prstGeom prst="rect">
+            <a:avLst/>
+          </a:prstGeom>
+        </p:spPr>
+      </p:pic>
+    </p:spTree>
+    <p:extLst>
+      <p:ext uri="{BB962C8B-B14F-4D97-AF65-F5344CB8AC3E}">
+        <p14:creationId xmlns:p14="http://schemas.microsoft.com/office/powerpoint/2010/main" val="260538465"/>
+      </p:ext>
+    </p:extLst>
+  </p:cSld>
+  <p:clrMapOvr>
+    <a:masterClrMapping/>
+  </p:clrMapOvr>
+</p:sld>
+</file>
+
+<file path=ppt/slides/slide14.xml><?xml version="1.0" encoding="utf-8"?>
+<p:sld xmlns:a="http://schemas.openxmlformats.org/drawingml/2006/main" xmlns:r="http://schemas.openxmlformats.org/officeDocument/2006/relationships" xmlns:p="http://schemas.openxmlformats.org/presentationml/2006/main">
+  <p:cSld>
+    <p:spTree>
+      <p:nvGrpSpPr>
+        <p:cNvPr id="1" name=""/>
+        <p:cNvGrpSpPr/>
+        <p:nvPr/>
+      </p:nvGrpSpPr>
+      <p:grpSpPr>
+        <a:xfrm>
+          <a:off x="0" y="0"/>
+          <a:ext cx="0" cy="0"/>
+          <a:chOff x="0" y="0"/>
+          <a:chExt cx="0" cy="0"/>
+        </a:xfrm>
+      </p:grpSpPr>
+      <p:sp>
+        <p:nvSpPr>
+          <p:cNvPr id="5" name="TextBox 4">
+            <a:extLst>
+              <a:ext uri="{FF2B5EF4-FFF2-40B4-BE49-F238E27FC236}">
+                <a16:creationId xmlns:a16="http://schemas.microsoft.com/office/drawing/2014/main" id="{7A6AC78D-8937-4F5B-AE05-6BA5BF5BD4E5}"/>
+              </a:ext>
+            </a:extLst>
+          </p:cNvPr>
+          <p:cNvSpPr txBox="1"/>
+          <p:nvPr/>
+        </p:nvSpPr>
+        <p:spPr>
+          <a:xfrm>
+            <a:off x="3048000" y="3115774"/>
+            <a:ext cx="6096000" cy="369332"/>
+          </a:xfrm>
+          <a:prstGeom prst="rect">
+            <a:avLst/>
+          </a:prstGeom>
+          <a:noFill/>
+        </p:spPr>
+        <p:txBody>
+          <a:bodyPr wrap="square">
+            <a:spAutoFit/>
+          </a:bodyPr>
+          <a:lstStyle/>
+          <a:p>
+            <a:pPr algn="l"/>
+            <a:r>
+              <a:rPr lang="en-US" b="1" i="0" dirty="0">
+                <a:solidFill>
+                  <a:srgbClr val="FFFFFF"/>
+                </a:solidFill>
+                <a:effectLst/>
+                <a:latin typeface="sf pro display"/>
+              </a:rPr>
+              <a:t>Chaos Engineering with Chaos Toolkit</a:t>
+            </a:r>
+          </a:p>
+        </p:txBody>
+      </p:sp>
+      <p:pic>
+        <p:nvPicPr>
+          <p:cNvPr id="3" name="Picture 2">
+            <a:extLst>
+              <a:ext uri="{FF2B5EF4-FFF2-40B4-BE49-F238E27FC236}">
+                <a16:creationId xmlns:a16="http://schemas.microsoft.com/office/drawing/2014/main" id="{B3DE7489-90A2-40F3-A781-B2A400933D0B}"/>
+              </a:ext>
+            </a:extLst>
+          </p:cNvPr>
+          <p:cNvPicPr>
+            <a:picLocks noChangeAspect="1"/>
+          </p:cNvPicPr>
+          <p:nvPr/>
+        </p:nvPicPr>
+        <p:blipFill>
+          <a:blip r:embed="rId2"/>
+          <a:stretch>
+            <a:fillRect/>
+          </a:stretch>
+        </p:blipFill>
+        <p:spPr>
+          <a:xfrm>
+            <a:off x="1166190" y="860539"/>
+            <a:ext cx="10561983" cy="5136921"/>
+          </a:xfrm>
+          <a:prstGeom prst="rect">
+            <a:avLst/>
+          </a:prstGeom>
+        </p:spPr>
+      </p:pic>
+    </p:spTree>
+    <p:extLst>
+      <p:ext uri="{BB962C8B-B14F-4D97-AF65-F5344CB8AC3E}">
+        <p14:creationId xmlns:p14="http://schemas.microsoft.com/office/powerpoint/2010/main" val="3778888953"/>
+      </p:ext>
+    </p:extLst>
+  </p:cSld>
+  <p:clrMapOvr>
+    <a:masterClrMapping/>
+  </p:clrMapOvr>
+</p:sld>
+</file>
+
 <file path=ppt/slides/slide2.xml><?xml version="1.0" encoding="utf-8"?>
 <p:sld xmlns:a="http://schemas.openxmlformats.org/drawingml/2006/main" xmlns:r="http://schemas.openxmlformats.org/officeDocument/2006/relationships" xmlns:p="http://schemas.openxmlformats.org/presentationml/2006/main">
   <p:cSld>
@@ -4734,7 +5155,7 @@
         <p:spPr>
           <a:xfrm>
             <a:off x="1012874" y="1733550"/>
-            <a:ext cx="10972800" cy="3139321"/>
+            <a:ext cx="10972800" cy="3970318"/>
           </a:xfrm>
           <a:prstGeom prst="rect">
             <a:avLst/>
@@ -4766,8 +5187,32 @@
           <a:p>
             <a:r>
               <a:rPr lang="en-US" dirty="0"/>
-              <a:t>“Kubernetes, or k8s, is an open source platform that automates Linux container operations.</a:t>
-            </a:r>
+              <a:t>“Kubernetes, or k8s, is an open source platform that automates Linux container operations</a:t>
+            </a:r>
+          </a:p>
+          <a:p>
+            <a:endParaRPr lang="en-US" b="1" i="0" dirty="0">
+              <a:solidFill>
+                <a:srgbClr val="163B5D"/>
+              </a:solidFill>
+              <a:effectLst/>
+              <a:latin typeface="Inter"/>
+            </a:endParaRPr>
+          </a:p>
+          <a:p>
+            <a:r>
+              <a:rPr lang="en-US" b="1" i="0" dirty="0">
+                <a:solidFill>
+                  <a:srgbClr val="163B5D"/>
+                </a:solidFill>
+                <a:effectLst/>
+                <a:latin typeface="Inter"/>
+              </a:rPr>
+              <a:t>Should I choose k3s or k8s?</a:t>
+            </a:r>
+          </a:p>
+          <a:p>
+            <a:endParaRPr lang="en-US" dirty="0"/>
           </a:p>
           <a:p>
             <a:endParaRPr lang="en-US" dirty="0"/>
@@ -4897,6 +5342,126 @@
           <p:cNvPr id="5" name="Picture 4">
             <a:extLst>
               <a:ext uri="{FF2B5EF4-FFF2-40B4-BE49-F238E27FC236}">
+                <a16:creationId xmlns:a16="http://schemas.microsoft.com/office/drawing/2014/main" id="{9F9E2B8C-7D7B-4F52-A5A4-894C84D76C6B}"/>
+              </a:ext>
+            </a:extLst>
+          </p:cNvPr>
+          <p:cNvPicPr>
+            <a:picLocks noChangeAspect="1"/>
+          </p:cNvPicPr>
+          <p:nvPr/>
+        </p:nvPicPr>
+        <p:blipFill>
+          <a:blip r:embed="rId2"/>
+          <a:stretch>
+            <a:fillRect/>
+          </a:stretch>
+        </p:blipFill>
+        <p:spPr>
+          <a:xfrm>
+            <a:off x="1987826" y="566737"/>
+            <a:ext cx="8428383" cy="5724525"/>
+          </a:xfrm>
+          <a:prstGeom prst="rect">
+            <a:avLst/>
+          </a:prstGeom>
+        </p:spPr>
+      </p:pic>
+    </p:spTree>
+    <p:extLst>
+      <p:ext uri="{BB962C8B-B14F-4D97-AF65-F5344CB8AC3E}">
+        <p14:creationId xmlns:p14="http://schemas.microsoft.com/office/powerpoint/2010/main" val="2151916993"/>
+      </p:ext>
+    </p:extLst>
+  </p:cSld>
+  <p:clrMapOvr>
+    <a:masterClrMapping/>
+  </p:clrMapOvr>
+</p:sld>
+</file>
+
+<file path=ppt/slides/slide4.xml><?xml version="1.0" encoding="utf-8"?>
+<p:sld xmlns:a="http://schemas.openxmlformats.org/drawingml/2006/main" xmlns:r="http://schemas.openxmlformats.org/officeDocument/2006/relationships" xmlns:p="http://schemas.openxmlformats.org/presentationml/2006/main">
+  <p:cSld>
+    <p:spTree>
+      <p:nvGrpSpPr>
+        <p:cNvPr id="1" name=""/>
+        <p:cNvGrpSpPr/>
+        <p:nvPr/>
+      </p:nvGrpSpPr>
+      <p:grpSpPr>
+        <a:xfrm>
+          <a:off x="0" y="0"/>
+          <a:ext cx="0" cy="0"/>
+          <a:chOff x="0" y="0"/>
+          <a:chExt cx="0" cy="0"/>
+        </a:xfrm>
+      </p:grpSpPr>
+      <p:pic>
+        <p:nvPicPr>
+          <p:cNvPr id="3" name="Picture 2">
+            <a:extLst>
+              <a:ext uri="{FF2B5EF4-FFF2-40B4-BE49-F238E27FC236}">
+                <a16:creationId xmlns:a16="http://schemas.microsoft.com/office/drawing/2014/main" id="{35610F4E-B09C-4B29-A42A-3C5A85A9BCE1}"/>
+              </a:ext>
+            </a:extLst>
+          </p:cNvPr>
+          <p:cNvPicPr>
+            <a:picLocks noChangeAspect="1"/>
+          </p:cNvPicPr>
+          <p:nvPr/>
+        </p:nvPicPr>
+        <p:blipFill>
+          <a:blip r:embed="rId2"/>
+          <a:stretch>
+            <a:fillRect/>
+          </a:stretch>
+        </p:blipFill>
+        <p:spPr>
+          <a:xfrm>
+            <a:off x="1417983" y="477079"/>
+            <a:ext cx="8670855" cy="5483086"/>
+          </a:xfrm>
+          <a:prstGeom prst="rect">
+            <a:avLst/>
+          </a:prstGeom>
+        </p:spPr>
+      </p:pic>
+    </p:spTree>
+    <p:extLst>
+      <p:ext uri="{BB962C8B-B14F-4D97-AF65-F5344CB8AC3E}">
+        <p14:creationId xmlns:p14="http://schemas.microsoft.com/office/powerpoint/2010/main" val="3982235485"/>
+      </p:ext>
+    </p:extLst>
+  </p:cSld>
+  <p:clrMapOvr>
+    <a:masterClrMapping/>
+  </p:clrMapOvr>
+</p:sld>
+</file>
+
+<file path=ppt/slides/slide5.xml><?xml version="1.0" encoding="utf-8"?>
+<p:sld xmlns:a="http://schemas.openxmlformats.org/drawingml/2006/main" xmlns:r="http://schemas.openxmlformats.org/officeDocument/2006/relationships" xmlns:p="http://schemas.openxmlformats.org/presentationml/2006/main">
+  <p:cSld>
+    <p:spTree>
+      <p:nvGrpSpPr>
+        <p:cNvPr id="1" name=""/>
+        <p:cNvGrpSpPr/>
+        <p:nvPr/>
+      </p:nvGrpSpPr>
+      <p:grpSpPr>
+        <a:xfrm>
+          <a:off x="0" y="0"/>
+          <a:ext cx="0" cy="0"/>
+          <a:chOff x="0" y="0"/>
+          <a:chExt cx="0" cy="0"/>
+        </a:xfrm>
+      </p:grpSpPr>
+      <p:pic>
+        <p:nvPicPr>
+          <p:cNvPr id="5" name="Picture 4">
+            <a:extLst>
+              <a:ext uri="{FF2B5EF4-FFF2-40B4-BE49-F238E27FC236}">
                 <a16:creationId xmlns:a16="http://schemas.microsoft.com/office/drawing/2014/main" id="{05B4C5AE-CCDB-42CA-9124-0B61D251054F}"/>
               </a:ext>
             </a:extLst>
@@ -4935,67 +5500,7 @@
 </p:sld>
 </file>
 
-<file path=ppt/slides/slide4.xml><?xml version="1.0" encoding="utf-8"?>
-<p:sld xmlns:a="http://schemas.openxmlformats.org/drawingml/2006/main" xmlns:r="http://schemas.openxmlformats.org/officeDocument/2006/relationships" xmlns:p="http://schemas.openxmlformats.org/presentationml/2006/main">
-  <p:cSld>
-    <p:spTree>
-      <p:nvGrpSpPr>
-        <p:cNvPr id="1" name=""/>
-        <p:cNvGrpSpPr/>
-        <p:nvPr/>
-      </p:nvGrpSpPr>
-      <p:grpSpPr>
-        <a:xfrm>
-          <a:off x="0" y="0"/>
-          <a:ext cx="0" cy="0"/>
-          <a:chOff x="0" y="0"/>
-          <a:chExt cx="0" cy="0"/>
-        </a:xfrm>
-      </p:grpSpPr>
-      <p:pic>
-        <p:nvPicPr>
-          <p:cNvPr id="5" name="Picture 4">
-            <a:extLst>
-              <a:ext uri="{FF2B5EF4-FFF2-40B4-BE49-F238E27FC236}">
-                <a16:creationId xmlns:a16="http://schemas.microsoft.com/office/drawing/2014/main" id="{A62595B7-7157-46AB-AC17-9D783289BDF1}"/>
-              </a:ext>
-            </a:extLst>
-          </p:cNvPr>
-          <p:cNvPicPr>
-            <a:picLocks noChangeAspect="1"/>
-          </p:cNvPicPr>
-          <p:nvPr/>
-        </p:nvPicPr>
-        <p:blipFill>
-          <a:blip r:embed="rId2"/>
-          <a:stretch>
-            <a:fillRect/>
-          </a:stretch>
-        </p:blipFill>
-        <p:spPr>
-          <a:xfrm>
-            <a:off x="4205287" y="112542"/>
-            <a:ext cx="4615156" cy="6107283"/>
-          </a:xfrm>
-          <a:prstGeom prst="rect">
-            <a:avLst/>
-          </a:prstGeom>
-        </p:spPr>
-      </p:pic>
-    </p:spTree>
-    <p:extLst>
-      <p:ext uri="{BB962C8B-B14F-4D97-AF65-F5344CB8AC3E}">
-        <p14:creationId xmlns:p14="http://schemas.microsoft.com/office/powerpoint/2010/main" val="352920815"/>
-      </p:ext>
-    </p:extLst>
-  </p:cSld>
-  <p:clrMapOvr>
-    <a:masterClrMapping/>
-  </p:clrMapOvr>
-</p:sld>
-</file>
-
-<file path=ppt/slides/slide5.xml><?xml version="1.0" encoding="utf-8"?>
+<file path=ppt/slides/slide6.xml><?xml version="1.0" encoding="utf-8"?>
 <p:sld xmlns:a="http://schemas.openxmlformats.org/drawingml/2006/main" xmlns:r="http://schemas.openxmlformats.org/officeDocument/2006/relationships" xmlns:p="http://schemas.openxmlformats.org/presentationml/2006/main">
   <p:cSld>
     <p:spTree>
@@ -5094,178 +5599,6 @@
     <p:extLst>
       <p:ext uri="{BB962C8B-B14F-4D97-AF65-F5344CB8AC3E}">
         <p14:creationId xmlns:p14="http://schemas.microsoft.com/office/powerpoint/2010/main" val="1572233370"/>
-      </p:ext>
-    </p:extLst>
-  </p:cSld>
-  <p:clrMapOvr>
-    <a:masterClrMapping/>
-  </p:clrMapOvr>
-</p:sld>
-</file>
-
-<file path=ppt/slides/slide6.xml><?xml version="1.0" encoding="utf-8"?>
-<p:sld xmlns:a="http://schemas.openxmlformats.org/drawingml/2006/main" xmlns:r="http://schemas.openxmlformats.org/officeDocument/2006/relationships" xmlns:p="http://schemas.openxmlformats.org/presentationml/2006/main">
-  <p:cSld>
-    <p:spTree>
-      <p:nvGrpSpPr>
-        <p:cNvPr id="1" name=""/>
-        <p:cNvGrpSpPr/>
-        <p:nvPr/>
-      </p:nvGrpSpPr>
-      <p:grpSpPr>
-        <a:xfrm>
-          <a:off x="0" y="0"/>
-          <a:ext cx="0" cy="0"/>
-          <a:chOff x="0" y="0"/>
-          <a:chExt cx="0" cy="0"/>
-        </a:xfrm>
-      </p:grpSpPr>
-      <p:sp>
-        <p:nvSpPr>
-          <p:cNvPr id="4" name="TextBox 3">
-            <a:extLst>
-              <a:ext uri="{FF2B5EF4-FFF2-40B4-BE49-F238E27FC236}">
-                <a16:creationId xmlns:a16="http://schemas.microsoft.com/office/drawing/2014/main" id="{D923DC18-49CE-4687-A4D8-041959A54E94}"/>
-              </a:ext>
-            </a:extLst>
-          </p:cNvPr>
-          <p:cNvSpPr txBox="1"/>
-          <p:nvPr/>
-        </p:nvSpPr>
-        <p:spPr>
-          <a:xfrm>
-            <a:off x="393895" y="393895"/>
-            <a:ext cx="11211951" cy="5909310"/>
-          </a:xfrm>
-          <a:prstGeom prst="rect">
-            <a:avLst/>
-          </a:prstGeom>
-          <a:noFill/>
-        </p:spPr>
-        <p:txBody>
-          <a:bodyPr wrap="square" rtlCol="0">
-            <a:spAutoFit/>
-          </a:bodyPr>
-          <a:lstStyle/>
-          <a:p>
-            <a:r>
-              <a:rPr lang="en-US" b="1" dirty="0" err="1"/>
-              <a:t>kube</a:t>
-            </a:r>
-            <a:r>
-              <a:rPr lang="en-US" b="1" dirty="0"/>
-              <a:t>-scheduler</a:t>
-            </a:r>
-          </a:p>
-          <a:p>
-            <a:endParaRPr lang="en-US" dirty="0"/>
-          </a:p>
-          <a:p>
-            <a:r>
-              <a:rPr lang="en-US" dirty="0"/>
-              <a:t>The key Control plane component that keep a watch for newly created Pods with no assigned worker node, and selects a worker node for them to be scheduled and run on.</a:t>
-            </a:r>
-          </a:p>
-          <a:p>
-            <a:endParaRPr lang="en-US" dirty="0"/>
-          </a:p>
-          <a:p>
-            <a:endParaRPr lang="en-US" dirty="0"/>
-          </a:p>
-          <a:p>
-            <a:r>
-              <a:rPr lang="en-US" b="1" dirty="0"/>
-              <a:t>Key deciding factors regarding pod schedule include:</a:t>
-            </a:r>
-          </a:p>
-          <a:p>
-            <a:endParaRPr lang="en-US" b="1" dirty="0"/>
-          </a:p>
-          <a:p>
-            <a:pPr marL="285750" indent="-285750">
-              <a:buFont typeface="Arial" panose="020B0604020202020204" pitchFamily="34" charset="0"/>
-              <a:buChar char="•"/>
-            </a:pPr>
-            <a:r>
-              <a:rPr lang="en-US" dirty="0"/>
-              <a:t>Individual and collective resource requirements</a:t>
-            </a:r>
-          </a:p>
-          <a:p>
-            <a:pPr marL="285750" indent="-285750">
-              <a:buFont typeface="Arial" panose="020B0604020202020204" pitchFamily="34" charset="0"/>
-              <a:buChar char="•"/>
-            </a:pPr>
-            <a:r>
-              <a:rPr lang="en-US" dirty="0"/>
-              <a:t>Hardware/Software/Policy constraints</a:t>
-            </a:r>
-          </a:p>
-          <a:p>
-            <a:pPr marL="285750" indent="-285750">
-              <a:buFont typeface="Arial" panose="020B0604020202020204" pitchFamily="34" charset="0"/>
-              <a:buChar char="•"/>
-            </a:pPr>
-            <a:r>
-              <a:rPr lang="en-US" dirty="0"/>
-              <a:t>Node affinity and anti-affinity specifications,</a:t>
-            </a:r>
-          </a:p>
-          <a:p>
-            <a:pPr marL="285750" indent="-285750">
-              <a:buFont typeface="Arial" panose="020B0604020202020204" pitchFamily="34" charset="0"/>
-              <a:buChar char="•"/>
-            </a:pPr>
-            <a:r>
-              <a:rPr lang="en-US" dirty="0"/>
-              <a:t>Data locality, inter-workload interference, and deadlines.</a:t>
-            </a:r>
-          </a:p>
-          <a:p>
-            <a:endParaRPr lang="en-US" dirty="0"/>
-          </a:p>
-          <a:p>
-            <a:endParaRPr lang="en-US" dirty="0"/>
-          </a:p>
-          <a:p>
-            <a:r>
-              <a:rPr lang="en-US" b="1" dirty="0" err="1"/>
-              <a:t>kube</a:t>
-            </a:r>
-            <a:r>
-              <a:rPr lang="en-US" b="1" dirty="0"/>
-              <a:t>-controller-manager(</a:t>
-            </a:r>
-            <a:r>
-              <a:rPr lang="en-US" b="1" dirty="0" err="1"/>
-              <a:t>Kubelet</a:t>
-            </a:r>
-            <a:r>
-              <a:rPr lang="en-US" b="1" dirty="0"/>
-              <a:t>):</a:t>
-            </a:r>
-          </a:p>
-          <a:p>
-            <a:endParaRPr lang="en-US" b="1" dirty="0"/>
-          </a:p>
-          <a:p>
-            <a:r>
-              <a:rPr lang="en-US" dirty="0"/>
-              <a:t>It is one of the critical processes in a master node that monitors the status of any worker node level failures. It keeps a close watch over the event like Crashing of any pods in the worker node and, requests the scheduler to restart or reschedule any dead /failed pods, after detecting such event.</a:t>
-            </a:r>
-          </a:p>
-          <a:p>
-            <a:endParaRPr lang="en-US" dirty="0"/>
-          </a:p>
-          <a:p>
-            <a:endParaRPr lang="en-IN" dirty="0"/>
-          </a:p>
-        </p:txBody>
-      </p:sp>
-    </p:spTree>
-    <p:extLst>
-      <p:ext uri="{BB962C8B-B14F-4D97-AF65-F5344CB8AC3E}">
-        <p14:creationId xmlns:p14="http://schemas.microsoft.com/office/powerpoint/2010/main" val="1873475440"/>
       </p:ext>
     </p:extLst>
   </p:cSld>
@@ -5297,6 +5630,158 @@
           <p:cNvPr id="4" name="TextBox 3">
             <a:extLst>
               <a:ext uri="{FF2B5EF4-FFF2-40B4-BE49-F238E27FC236}">
+                <a16:creationId xmlns:a16="http://schemas.microsoft.com/office/drawing/2014/main" id="{D923DC18-49CE-4687-A4D8-041959A54E94}"/>
+              </a:ext>
+            </a:extLst>
+          </p:cNvPr>
+          <p:cNvSpPr txBox="1"/>
+          <p:nvPr/>
+        </p:nvSpPr>
+        <p:spPr>
+          <a:xfrm>
+            <a:off x="393895" y="393895"/>
+            <a:ext cx="11211951" cy="5355312"/>
+          </a:xfrm>
+          <a:prstGeom prst="rect">
+            <a:avLst/>
+          </a:prstGeom>
+          <a:noFill/>
+        </p:spPr>
+        <p:txBody>
+          <a:bodyPr wrap="square" rtlCol="0">
+            <a:spAutoFit/>
+          </a:bodyPr>
+          <a:lstStyle/>
+          <a:p>
+            <a:r>
+              <a:rPr lang="en-US" b="1" dirty="0" err="1"/>
+              <a:t>kube</a:t>
+            </a:r>
+            <a:r>
+              <a:rPr lang="en-US" b="1" dirty="0"/>
+              <a:t>-scheduler</a:t>
+            </a:r>
+          </a:p>
+          <a:p>
+            <a:endParaRPr lang="en-US" dirty="0"/>
+          </a:p>
+          <a:p>
+            <a:r>
+              <a:rPr lang="en-US" dirty="0"/>
+              <a:t>The key Control plane component that keep a watch for newly created Pods with no assigned worker node, and selects a worker node for them to be scheduled and run on.</a:t>
+            </a:r>
+          </a:p>
+          <a:p>
+            <a:endParaRPr lang="en-US" dirty="0"/>
+          </a:p>
+          <a:p>
+            <a:endParaRPr lang="en-US" dirty="0"/>
+          </a:p>
+          <a:p>
+            <a:r>
+              <a:rPr lang="en-US" b="1" dirty="0"/>
+              <a:t>Key deciding factors regarding pod schedule include:</a:t>
+            </a:r>
+          </a:p>
+          <a:p>
+            <a:endParaRPr lang="en-US" b="1" dirty="0"/>
+          </a:p>
+          <a:p>
+            <a:pPr marL="285750" indent="-285750">
+              <a:buFont typeface="Arial" panose="020B0604020202020204" pitchFamily="34" charset="0"/>
+              <a:buChar char="•"/>
+            </a:pPr>
+            <a:r>
+              <a:rPr lang="en-US" dirty="0"/>
+              <a:t>Hardware/Software/Policy constraints</a:t>
+            </a:r>
+          </a:p>
+          <a:p>
+            <a:pPr marL="285750" indent="-285750">
+              <a:buFont typeface="Arial" panose="020B0604020202020204" pitchFamily="34" charset="0"/>
+              <a:buChar char="•"/>
+            </a:pPr>
+            <a:r>
+              <a:rPr lang="en-US" dirty="0"/>
+              <a:t>Node affinity and anti-affinity specifications,</a:t>
+            </a:r>
+          </a:p>
+          <a:p>
+            <a:endParaRPr lang="en-US" dirty="0"/>
+          </a:p>
+          <a:p>
+            <a:endParaRPr lang="en-US" dirty="0"/>
+          </a:p>
+          <a:p>
+            <a:r>
+              <a:rPr lang="en-US" b="1" dirty="0" err="1"/>
+              <a:t>kube</a:t>
+            </a:r>
+            <a:r>
+              <a:rPr lang="en-US" b="1" dirty="0"/>
+              <a:t>-controller-manager(</a:t>
+            </a:r>
+            <a:r>
+              <a:rPr lang="en-US" b="1" dirty="0" err="1"/>
+              <a:t>Kubelet</a:t>
+            </a:r>
+            <a:r>
+              <a:rPr lang="en-US" b="1" dirty="0"/>
+              <a:t>):</a:t>
+            </a:r>
+          </a:p>
+          <a:p>
+            <a:endParaRPr lang="en-US" b="1" dirty="0"/>
+          </a:p>
+          <a:p>
+            <a:r>
+              <a:rPr lang="en-US" dirty="0"/>
+              <a:t>It is one of the critical processes in a master node that monitors the status of any worker node level failures. It keeps a close watch over the event like Crashing of any pods in the worker node and, requests the scheduler to restart or reschedule any dead /failed pods, after detecting such event.</a:t>
+            </a:r>
+          </a:p>
+          <a:p>
+            <a:endParaRPr lang="en-US" dirty="0"/>
+          </a:p>
+          <a:p>
+            <a:endParaRPr lang="en-IN" dirty="0"/>
+          </a:p>
+        </p:txBody>
+      </p:sp>
+    </p:spTree>
+    <p:extLst>
+      <p:ext uri="{BB962C8B-B14F-4D97-AF65-F5344CB8AC3E}">
+        <p14:creationId xmlns:p14="http://schemas.microsoft.com/office/powerpoint/2010/main" val="1873475440"/>
+      </p:ext>
+    </p:extLst>
+  </p:cSld>
+  <p:clrMapOvr>
+    <a:masterClrMapping/>
+  </p:clrMapOvr>
+</p:sld>
+</file>
+
+<file path=ppt/slides/slide8.xml><?xml version="1.0" encoding="utf-8"?>
+<p:sld xmlns:a="http://schemas.openxmlformats.org/drawingml/2006/main" xmlns:r="http://schemas.openxmlformats.org/officeDocument/2006/relationships" xmlns:p="http://schemas.openxmlformats.org/presentationml/2006/main">
+  <p:cSld>
+    <p:spTree>
+      <p:nvGrpSpPr>
+        <p:cNvPr id="1" name=""/>
+        <p:cNvGrpSpPr/>
+        <p:nvPr/>
+      </p:nvGrpSpPr>
+      <p:grpSpPr>
+        <a:xfrm>
+          <a:off x="0" y="0"/>
+          <a:ext cx="0" cy="0"/>
+          <a:chOff x="0" y="0"/>
+          <a:chExt cx="0" cy="0"/>
+        </a:xfrm>
+      </p:grpSpPr>
+      <p:sp>
+        <p:nvSpPr>
+          <p:cNvPr id="4" name="TextBox 3">
+            <a:extLst>
+              <a:ext uri="{FF2B5EF4-FFF2-40B4-BE49-F238E27FC236}">
                 <a16:creationId xmlns:a16="http://schemas.microsoft.com/office/drawing/2014/main" id="{D5621088-AD16-4EFF-83CE-FC54DC459253}"/>
               </a:ext>
             </a:extLst>
@@ -5390,11 +5875,7 @@
           <a:p>
             <a:r>
               <a:rPr lang="en-US" b="1" dirty="0"/>
-              <a:t>Some Of The Key K8s components </a:t>
-            </a:r>
-            <a:r>
-              <a:rPr lang="en-US" b="1"/>
-              <a:t>Are :</a:t>
+              <a:t>Some Of The Key K8s components Are :</a:t>
             </a:r>
           </a:p>
           <a:p>
@@ -5481,6 +5962,66 @@
     <p:extLst>
       <p:ext uri="{BB962C8B-B14F-4D97-AF65-F5344CB8AC3E}">
         <p14:creationId xmlns:p14="http://schemas.microsoft.com/office/powerpoint/2010/main" val="2667555909"/>
+      </p:ext>
+    </p:extLst>
+  </p:cSld>
+  <p:clrMapOvr>
+    <a:masterClrMapping/>
+  </p:clrMapOvr>
+</p:sld>
+</file>
+
+<file path=ppt/slides/slide9.xml><?xml version="1.0" encoding="utf-8"?>
+<p:sld xmlns:a="http://schemas.openxmlformats.org/drawingml/2006/main" xmlns:r="http://schemas.openxmlformats.org/officeDocument/2006/relationships" xmlns:p="http://schemas.openxmlformats.org/presentationml/2006/main">
+  <p:cSld>
+    <p:spTree>
+      <p:nvGrpSpPr>
+        <p:cNvPr id="1" name=""/>
+        <p:cNvGrpSpPr/>
+        <p:nvPr/>
+      </p:nvGrpSpPr>
+      <p:grpSpPr>
+        <a:xfrm>
+          <a:off x="0" y="0"/>
+          <a:ext cx="0" cy="0"/>
+          <a:chOff x="0" y="0"/>
+          <a:chExt cx="0" cy="0"/>
+        </a:xfrm>
+      </p:grpSpPr>
+      <p:pic>
+        <p:nvPicPr>
+          <p:cNvPr id="3" name="Picture 2">
+            <a:extLst>
+              <a:ext uri="{FF2B5EF4-FFF2-40B4-BE49-F238E27FC236}">
+                <a16:creationId xmlns:a16="http://schemas.microsoft.com/office/drawing/2014/main" id="{C086D2AA-0DD3-49DD-8FAC-FDD32524AD68}"/>
+              </a:ext>
+            </a:extLst>
+          </p:cNvPr>
+          <p:cNvPicPr>
+            <a:picLocks noChangeAspect="1"/>
+          </p:cNvPicPr>
+          <p:nvPr/>
+        </p:nvPicPr>
+        <p:blipFill>
+          <a:blip r:embed="rId2"/>
+          <a:stretch>
+            <a:fillRect/>
+          </a:stretch>
+        </p:blipFill>
+        <p:spPr>
+          <a:xfrm>
+            <a:off x="1351722" y="675862"/>
+            <a:ext cx="9197008" cy="5499652"/>
+          </a:xfrm>
+          <a:prstGeom prst="rect">
+            <a:avLst/>
+          </a:prstGeom>
+        </p:spPr>
+      </p:pic>
+    </p:spTree>
+    <p:extLst>
+      <p:ext uri="{BB962C8B-B14F-4D97-AF65-F5344CB8AC3E}">
+        <p14:creationId xmlns:p14="http://schemas.microsoft.com/office/powerpoint/2010/main" val="348072213"/>
       </p:ext>
     </p:extLst>
   </p:cSld>
@@ -5989,18 +6530,18 @@
 </file>
 
 <file path=customXml/item2.xml><?xml version="1.0" encoding="utf-8"?>
+<p:properties xmlns:p="http://schemas.microsoft.com/office/2006/metadata/properties" xmlns:xsi="http://www.w3.org/2001/XMLSchema-instance" xmlns:pc="http://schemas.microsoft.com/office/infopath/2007/PartnerControls">
+  <documentManagement/>
+</p:properties>
+</file>
+
+<file path=customXml/item3.xml><?xml version="1.0" encoding="utf-8"?>
 <?mso-contentType ?>
 <FormTemplates xmlns="http://schemas.microsoft.com/sharepoint/v3/contenttype/forms">
   <Display>DocumentLibraryForm</Display>
   <Edit>DocumentLibraryForm</Edit>
   <New>DocumentLibraryForm</New>
 </FormTemplates>
-</file>
-
-<file path=customXml/item3.xml><?xml version="1.0" encoding="utf-8"?>
-<p:properties xmlns:p="http://schemas.microsoft.com/office/2006/metadata/properties" xmlns:xsi="http://www.w3.org/2001/XMLSchema-instance" xmlns:pc="http://schemas.microsoft.com/office/infopath/2007/PartnerControls">
-  <documentManagement/>
-</p:properties>
 </file>
 
 <file path=customXml/itemProps1.xml><?xml version="1.0" encoding="utf-8"?>
@@ -6023,14 +6564,6 @@
 </file>
 
 <file path=customXml/itemProps2.xml><?xml version="1.0" encoding="utf-8"?>
-<ds:datastoreItem xmlns:ds="http://schemas.openxmlformats.org/officeDocument/2006/customXml" ds:itemID="{4D4A239C-6C64-4D6E-A487-52DA58FDE92E}">
-  <ds:schemaRefs>
-    <ds:schemaRef ds:uri="http://schemas.microsoft.com/sharepoint/v3/contenttype/forms"/>
-  </ds:schemaRefs>
-</ds:datastoreItem>
-</file>
-
-<file path=customXml/itemProps3.xml><?xml version="1.0" encoding="utf-8"?>
 <ds:datastoreItem xmlns:ds="http://schemas.openxmlformats.org/officeDocument/2006/customXml" ds:itemID="{9A77E927-B9B4-4654-96E0-3D7B737283A2}">
   <ds:schemaRefs>
     <ds:schemaRef ds:uri="http://purl.org/dc/terms/"/>
@@ -6045,4 +6578,12 @@
     <ds:schemaRef ds:uri="http://www.w3.org/XML/1998/namespace"/>
   </ds:schemaRefs>
 </ds:datastoreItem>
+</file>
+
+<file path=customXml/itemProps3.xml><?xml version="1.0" encoding="utf-8"?>
+<ds:datastoreItem xmlns:ds="http://schemas.openxmlformats.org/officeDocument/2006/customXml" ds:itemID="{4D4A239C-6C64-4D6E-A487-52DA58FDE92E}">
+  <ds:schemaRefs>
+    <ds:schemaRef ds:uri="http://schemas.microsoft.com/sharepoint/v3/contenttype/forms"/>
+  </ds:schemaRefs>
+</ds:datastoreItem>
 </file>